--- a/F1 – Race Prediction.pptx
+++ b/F1 – Race Prediction.pptx
@@ -112,6 +112,11 @@
       </a:defRPr>
     </a:lvl9pPr>
   </p:defaultTextStyle>
+  <p:extLst>
+    <p:ext uri="{EFAFB233-063F-42B5-8137-9DF3F51BA10A}">
+      <p15:sldGuideLst xmlns:p15="http://schemas.microsoft.com/office/powerpoint/2012/main"/>
+    </p:ext>
+  </p:extLst>
 </p:presentation>
 </file>
 
@@ -246,7 +251,7 @@
           <a:p>
             <a:fld id="{4023A367-A772-46AA-AB3F-C9392AEF2B7A}" type="datetimeFigureOut">
               <a:rPr lang="en-GB" smtClean="0"/>
-              <a:t>22/04/2016</a:t>
+              <a:t>26/04/2016</a:t>
             </a:fld>
             <a:endParaRPr lang="en-GB"/>
           </a:p>
@@ -416,7 +421,7 @@
           <a:p>
             <a:fld id="{4023A367-A772-46AA-AB3F-C9392AEF2B7A}" type="datetimeFigureOut">
               <a:rPr lang="en-GB" smtClean="0"/>
-              <a:t>22/04/2016</a:t>
+              <a:t>26/04/2016</a:t>
             </a:fld>
             <a:endParaRPr lang="en-GB"/>
           </a:p>
@@ -596,7 +601,7 @@
           <a:p>
             <a:fld id="{4023A367-A772-46AA-AB3F-C9392AEF2B7A}" type="datetimeFigureOut">
               <a:rPr lang="en-GB" smtClean="0"/>
-              <a:t>22/04/2016</a:t>
+              <a:t>26/04/2016</a:t>
             </a:fld>
             <a:endParaRPr lang="en-GB"/>
           </a:p>
@@ -766,7 +771,7 @@
           <a:p>
             <a:fld id="{4023A367-A772-46AA-AB3F-C9392AEF2B7A}" type="datetimeFigureOut">
               <a:rPr lang="en-GB" smtClean="0"/>
-              <a:t>22/04/2016</a:t>
+              <a:t>26/04/2016</a:t>
             </a:fld>
             <a:endParaRPr lang="en-GB"/>
           </a:p>
@@ -1012,7 +1017,7 @@
           <a:p>
             <a:fld id="{4023A367-A772-46AA-AB3F-C9392AEF2B7A}" type="datetimeFigureOut">
               <a:rPr lang="en-GB" smtClean="0"/>
-              <a:t>22/04/2016</a:t>
+              <a:t>26/04/2016</a:t>
             </a:fld>
             <a:endParaRPr lang="en-GB"/>
           </a:p>
@@ -1244,7 +1249,7 @@
           <a:p>
             <a:fld id="{4023A367-A772-46AA-AB3F-C9392AEF2B7A}" type="datetimeFigureOut">
               <a:rPr lang="en-GB" smtClean="0"/>
-              <a:t>22/04/2016</a:t>
+              <a:t>26/04/2016</a:t>
             </a:fld>
             <a:endParaRPr lang="en-GB"/>
           </a:p>
@@ -1611,7 +1616,7 @@
           <a:p>
             <a:fld id="{4023A367-A772-46AA-AB3F-C9392AEF2B7A}" type="datetimeFigureOut">
               <a:rPr lang="en-GB" smtClean="0"/>
-              <a:t>22/04/2016</a:t>
+              <a:t>26/04/2016</a:t>
             </a:fld>
             <a:endParaRPr lang="en-GB"/>
           </a:p>
@@ -1729,7 +1734,7 @@
           <a:p>
             <a:fld id="{4023A367-A772-46AA-AB3F-C9392AEF2B7A}" type="datetimeFigureOut">
               <a:rPr lang="en-GB" smtClean="0"/>
-              <a:t>22/04/2016</a:t>
+              <a:t>26/04/2016</a:t>
             </a:fld>
             <a:endParaRPr lang="en-GB"/>
           </a:p>
@@ -1824,7 +1829,7 @@
           <a:p>
             <a:fld id="{4023A367-A772-46AA-AB3F-C9392AEF2B7A}" type="datetimeFigureOut">
               <a:rPr lang="en-GB" smtClean="0"/>
-              <a:t>22/04/2016</a:t>
+              <a:t>26/04/2016</a:t>
             </a:fld>
             <a:endParaRPr lang="en-GB"/>
           </a:p>
@@ -2101,7 +2106,7 @@
           <a:p>
             <a:fld id="{4023A367-A772-46AA-AB3F-C9392AEF2B7A}" type="datetimeFigureOut">
               <a:rPr lang="en-GB" smtClean="0"/>
-              <a:t>22/04/2016</a:t>
+              <a:t>26/04/2016</a:t>
             </a:fld>
             <a:endParaRPr lang="en-GB"/>
           </a:p>
@@ -2354,7 +2359,7 @@
           <a:p>
             <a:fld id="{4023A367-A772-46AA-AB3F-C9392AEF2B7A}" type="datetimeFigureOut">
               <a:rPr lang="en-GB" smtClean="0"/>
-              <a:t>22/04/2016</a:t>
+              <a:t>26/04/2016</a:t>
             </a:fld>
             <a:endParaRPr lang="en-GB"/>
           </a:p>
@@ -2567,7 +2572,7 @@
           <a:p>
             <a:fld id="{4023A367-A772-46AA-AB3F-C9392AEF2B7A}" type="datetimeFigureOut">
               <a:rPr lang="en-GB" smtClean="0"/>
-              <a:t>22/04/2016</a:t>
+              <a:t>26/04/2016</a:t>
             </a:fld>
             <a:endParaRPr lang="en-GB"/>
           </a:p>
@@ -3055,8 +3060,13 @@
             </a:r>
             <a:r>
               <a:rPr lang="en-GB" dirty="0" smtClean="0"/>
-              <a:t> : 1410110xxx</a:t>
-            </a:r>
+              <a:t> : </a:t>
+            </a:r>
+            <a:r>
+              <a:rPr lang="en-GB" dirty="0" smtClean="0"/>
+              <a:t>1410110359</a:t>
+            </a:r>
+            <a:endParaRPr lang="en-GB" dirty="0" smtClean="0"/>
           </a:p>
           <a:p>
             <a:pPr algn="ctr"/>
@@ -4974,6 +4984,36 @@
           <a:chExt cx="0" cy="0"/>
         </a:xfrm>
       </p:grpSpPr>
+      <p:pic>
+        <p:nvPicPr>
+          <p:cNvPr id="3" name="Picture 2"/>
+          <p:cNvPicPr>
+            <a:picLocks noChangeAspect="1"/>
+          </p:cNvPicPr>
+          <p:nvPr/>
+        </p:nvPicPr>
+        <p:blipFill>
+          <a:blip r:embed="rId2">
+            <a:extLst>
+              <a:ext uri="{28A0092B-C50C-407E-A947-70E740481C1C}">
+                <a14:useLocalDpi xmlns:a14="http://schemas.microsoft.com/office/drawing/2010/main" val="0"/>
+              </a:ext>
+            </a:extLst>
+          </a:blip>
+          <a:stretch>
+            <a:fillRect/>
+          </a:stretch>
+        </p:blipFill>
+        <p:spPr>
+          <a:xfrm>
+            <a:off x="165340" y="586543"/>
+            <a:ext cx="11415623" cy="5520850"/>
+          </a:xfrm>
+          <a:prstGeom prst="rect">
+            <a:avLst/>
+          </a:prstGeom>
+        </p:spPr>
+      </p:pic>
       <p:sp>
         <p:nvSpPr>
           <p:cNvPr id="2" name="Title 1"/>
@@ -4984,7 +5024,12 @@
             <p:ph type="title"/>
           </p:nvPr>
         </p:nvSpPr>
-        <p:spPr/>
+        <p:spPr>
+          <a:xfrm>
+            <a:off x="260231" y="-297657"/>
+            <a:ext cx="10515600" cy="1325563"/>
+          </a:xfrm>
+        </p:spPr>
         <p:txBody>
           <a:bodyPr/>
           <a:lstStyle/>
